--- a/thesis-models.pptx
+++ b/thesis-models.pptx
@@ -4755,7 +4755,7 @@
           <a:p>
             <a:r>
               <a:rPr lang="en-US" dirty="0"/>
-              <a:t>20 Vertices</a:t>
+              <a:t>20 vertices</a:t>
             </a:r>
           </a:p>
         </p:txBody>
@@ -5032,7 +5032,7 @@
           <a:p>
             <a:r>
               <a:rPr lang="en-US" dirty="0"/>
-              <a:t>30 Vertices</a:t>
+              <a:t>30 vertices</a:t>
             </a:r>
           </a:p>
         </p:txBody>
@@ -5331,7 +5331,15 @@
           <a:p>
             <a:r>
               <a:rPr lang="en-US" dirty="0"/>
-              <a:t>Add edge based on probability</a:t>
+              <a:t>Add edge based on probability b**(-</a:t>
+            </a:r>
+            <a:r>
+              <a:rPr lang="en-US" dirty="0" err="1"/>
+              <a:t>dist</a:t>
+            </a:r>
+            <a:r>
+              <a:rPr lang="en-US" dirty="0"/>
+              <a:t>)</a:t>
             </a:r>
           </a:p>
         </p:txBody>
@@ -5395,7 +5403,7 @@
           <a:p>
             <a:r>
               <a:rPr lang="en-US" dirty="0"/>
-              <a:t>40 Vertices</a:t>
+              <a:t>40 vertices</a:t>
             </a:r>
           </a:p>
         </p:txBody>
@@ -5672,7 +5680,7 @@
           <a:p>
             <a:r>
               <a:rPr lang="en-US" dirty="0"/>
-              <a:t>50 Vertices</a:t>
+              <a:t>50 vertices</a:t>
             </a:r>
           </a:p>
         </p:txBody>
